--- a/4 Leg Pavilion.pptx
+++ b/4 Leg Pavilion.pptx
@@ -196,7 +196,7 @@
           <a:p>
             <a:fld id="{DB0E2110-44F5-4F33-9991-90175341F19C}" type="datetimeFigureOut">
               <a:rPr lang="en-US" smtClean="0"/>
-              <a:t>8/8/2021</a:t>
+              <a:t>8/20/2021</a:t>
             </a:fld>
             <a:endParaRPr lang="en-US"/>
           </a:p>
@@ -602,7 +602,15 @@
             </a:r>
             <a:r>
               <a:rPr lang="en-US" dirty="0" smtClean="0"/>
-              <a:t> slope is 3:4, or 36.9°.</a:t>
+              <a:t> slope is </a:t>
+            </a:r>
+            <a:r>
+              <a:rPr lang="en-US" dirty="0" smtClean="0"/>
+              <a:t>3:4 (aka: 9”12), </a:t>
+            </a:r>
+            <a:r>
+              <a:rPr lang="en-US" dirty="0" smtClean="0"/>
+              <a:t>or 36.9°.</a:t>
             </a:r>
             <a:r>
               <a:rPr lang="en-US" baseline="0" dirty="0" smtClean="0"/>
@@ -878,15 +886,7 @@
           <a:p>
             <a:r>
               <a:rPr lang="en-US" dirty="0" smtClean="0"/>
-              <a:t>This is the </a:t>
-            </a:r>
-            <a:r>
-              <a:rPr lang="en-US" dirty="0" smtClean="0"/>
-              <a:t>merged </a:t>
-            </a:r>
-            <a:r>
-              <a:rPr lang="en-US" dirty="0" smtClean="0"/>
-              <a:t>base for the pavilion</a:t>
+              <a:t>This is the merged base for the pavilion</a:t>
             </a:r>
             <a:endParaRPr lang="en-US" dirty="0"/>
           </a:p>
@@ -1109,7 +1109,7 @@
           <a:p>
             <a:fld id="{E525481E-CA4E-475B-B092-5CE084B38ACC}" type="datetimeFigureOut">
               <a:rPr lang="en-US" smtClean="0"/>
-              <a:t>8/8/2021</a:t>
+              <a:t>8/20/2021</a:t>
             </a:fld>
             <a:endParaRPr lang="en-US"/>
           </a:p>
@@ -1279,7 +1279,7 @@
           <a:p>
             <a:fld id="{E525481E-CA4E-475B-B092-5CE084B38ACC}" type="datetimeFigureOut">
               <a:rPr lang="en-US" smtClean="0"/>
-              <a:t>8/8/2021</a:t>
+              <a:t>8/20/2021</a:t>
             </a:fld>
             <a:endParaRPr lang="en-US"/>
           </a:p>
@@ -1459,7 +1459,7 @@
           <a:p>
             <a:fld id="{E525481E-CA4E-475B-B092-5CE084B38ACC}" type="datetimeFigureOut">
               <a:rPr lang="en-US" smtClean="0"/>
-              <a:t>8/8/2021</a:t>
+              <a:t>8/20/2021</a:t>
             </a:fld>
             <a:endParaRPr lang="en-US"/>
           </a:p>
@@ -1629,7 +1629,7 @@
           <a:p>
             <a:fld id="{E525481E-CA4E-475B-B092-5CE084B38ACC}" type="datetimeFigureOut">
               <a:rPr lang="en-US" smtClean="0"/>
-              <a:t>8/8/2021</a:t>
+              <a:t>8/20/2021</a:t>
             </a:fld>
             <a:endParaRPr lang="en-US"/>
           </a:p>
@@ -1875,7 +1875,7 @@
           <a:p>
             <a:fld id="{E525481E-CA4E-475B-B092-5CE084B38ACC}" type="datetimeFigureOut">
               <a:rPr lang="en-US" smtClean="0"/>
-              <a:t>8/8/2021</a:t>
+              <a:t>8/20/2021</a:t>
             </a:fld>
             <a:endParaRPr lang="en-US"/>
           </a:p>
@@ -2163,7 +2163,7 @@
           <a:p>
             <a:fld id="{E525481E-CA4E-475B-B092-5CE084B38ACC}" type="datetimeFigureOut">
               <a:rPr lang="en-US" smtClean="0"/>
-              <a:t>8/8/2021</a:t>
+              <a:t>8/20/2021</a:t>
             </a:fld>
             <a:endParaRPr lang="en-US"/>
           </a:p>
@@ -2585,7 +2585,7 @@
           <a:p>
             <a:fld id="{E525481E-CA4E-475B-B092-5CE084B38ACC}" type="datetimeFigureOut">
               <a:rPr lang="en-US" smtClean="0"/>
-              <a:t>8/8/2021</a:t>
+              <a:t>8/20/2021</a:t>
             </a:fld>
             <a:endParaRPr lang="en-US"/>
           </a:p>
@@ -2703,7 +2703,7 @@
           <a:p>
             <a:fld id="{E525481E-CA4E-475B-B092-5CE084B38ACC}" type="datetimeFigureOut">
               <a:rPr lang="en-US" smtClean="0"/>
-              <a:t>8/8/2021</a:t>
+              <a:t>8/20/2021</a:t>
             </a:fld>
             <a:endParaRPr lang="en-US"/>
           </a:p>
@@ -2798,7 +2798,7 @@
           <a:p>
             <a:fld id="{E525481E-CA4E-475B-B092-5CE084B38ACC}" type="datetimeFigureOut">
               <a:rPr lang="en-US" smtClean="0"/>
-              <a:t>8/8/2021</a:t>
+              <a:t>8/20/2021</a:t>
             </a:fld>
             <a:endParaRPr lang="en-US"/>
           </a:p>
@@ -3075,7 +3075,7 @@
           <a:p>
             <a:fld id="{E525481E-CA4E-475B-B092-5CE084B38ACC}" type="datetimeFigureOut">
               <a:rPr lang="en-US" smtClean="0"/>
-              <a:t>8/8/2021</a:t>
+              <a:t>8/20/2021</a:t>
             </a:fld>
             <a:endParaRPr lang="en-US"/>
           </a:p>
@@ -3328,7 +3328,7 @@
           <a:p>
             <a:fld id="{E525481E-CA4E-475B-B092-5CE084B38ACC}" type="datetimeFigureOut">
               <a:rPr lang="en-US" smtClean="0"/>
-              <a:t>8/8/2021</a:t>
+              <a:t>8/20/2021</a:t>
             </a:fld>
             <a:endParaRPr lang="en-US"/>
           </a:p>
@@ -3541,7 +3541,7 @@
           <a:p>
             <a:fld id="{E525481E-CA4E-475B-B092-5CE084B38ACC}" type="datetimeFigureOut">
               <a:rPr lang="en-US" smtClean="0"/>
-              <a:t>8/8/2021</a:t>
+              <a:t>8/20/2021</a:t>
             </a:fld>
             <a:endParaRPr lang="en-US"/>
           </a:p>
